--- a/translations/en-us/tablet-beginner/Introduction.pptx
+++ b/translations/en-us/tablet-beginner/Introduction.pptx
@@ -220,7 +220,7 @@
           <a:p>
             <a:fld id="{F8D9B3D7-15CB-9343-AA49-EFB5A8F33F18}" type="datetimeFigureOut">
               <a:rPr lang="en-US" smtClean="0"/>
-              <a:t>6/27/2015</a:t>
+              <a:t>10/2/15</a:t>
             </a:fld>
             <a:endParaRPr lang="en-US"/>
           </a:p>
@@ -386,7 +386,7 @@
           <a:p>
             <a:fld id="{FD3EFF1E-85A1-6640-AFB9-C38833E80A84}" type="datetimeFigureOut">
               <a:rPr lang="en-US" smtClean="0"/>
-              <a:t>6/27/2015</a:t>
+              <a:t>10/2/15</a:t>
             </a:fld>
             <a:endParaRPr lang="en-US"/>
           </a:p>
@@ -1016,7 +1016,7 @@
           <a:p>
             <a:fld id="{EACB2B30-379C-4202-B1F3-D3B522878603}" type="datetime1">
               <a:rPr lang="en-US" smtClean="0"/>
-              <a:t>6/27/2015</a:t>
+              <a:t>10/2/15</a:t>
             </a:fld>
             <a:endParaRPr lang="en-US"/>
           </a:p>
@@ -1322,7 +1322,7 @@
           <a:p>
             <a:fld id="{9712A3EB-3DEA-48FE-9BFC-EC2522B74ADE}" type="datetime1">
               <a:rPr lang="en-US" smtClean="0"/>
-              <a:t>6/27/2015</a:t>
+              <a:t>10/2/15</a:t>
             </a:fld>
             <a:endParaRPr lang="en-US"/>
           </a:p>
@@ -1509,7 +1509,7 @@
           <a:p>
             <a:fld id="{70B33115-2338-48F2-AC41-157C6B87719A}" type="datetime1">
               <a:rPr lang="en-US" smtClean="0"/>
-              <a:t>6/27/2015</a:t>
+              <a:t>10/2/15</a:t>
             </a:fld>
             <a:endParaRPr lang="en-US"/>
           </a:p>
@@ -1708,7 +1708,7 @@
           <a:p>
             <a:fld id="{52E4F7A2-CC09-4E29-8283-AB801139ECC9}" type="datetime1">
               <a:rPr lang="en-US" smtClean="0"/>
-              <a:t>6/27/2015</a:t>
+              <a:t>10/2/15</a:t>
             </a:fld>
             <a:endParaRPr lang="en-US"/>
           </a:p>
@@ -1882,7 +1882,7 @@
           <a:p>
             <a:fld id="{DB04619B-604B-42D5-BB8F-A8BCBE6B2F1D}" type="datetime1">
               <a:rPr lang="en-US" smtClean="0"/>
-              <a:t>6/27/2015</a:t>
+              <a:t>10/2/15</a:t>
             </a:fld>
             <a:endParaRPr lang="en-US"/>
           </a:p>
@@ -2132,7 +2132,7 @@
           <a:p>
             <a:fld id="{FBDC9A95-D134-4392-8040-E268F7574361}" type="datetime1">
               <a:rPr lang="en-US" smtClean="0"/>
-              <a:t>6/27/2015</a:t>
+              <a:t>10/2/15</a:t>
             </a:fld>
             <a:endParaRPr lang="en-US"/>
           </a:p>
@@ -2368,7 +2368,7 @@
           <a:p>
             <a:fld id="{AC7018EF-5B37-49DF-9C9A-FBD17F454B3B}" type="datetime1">
               <a:rPr lang="en-US" smtClean="0"/>
-              <a:t>6/27/2015</a:t>
+              <a:t>10/2/15</a:t>
             </a:fld>
             <a:endParaRPr lang="en-US"/>
           </a:p>
@@ -2739,7 +2739,7 @@
           <a:p>
             <a:fld id="{BE546CA9-EE68-465B-9E04-0F5EF2792ACB}" type="datetime1">
               <a:rPr lang="en-US" smtClean="0"/>
-              <a:t>6/27/2015</a:t>
+              <a:t>10/2/15</a:t>
             </a:fld>
             <a:endParaRPr lang="en-US"/>
           </a:p>
@@ -2861,7 +2861,7 @@
           <a:p>
             <a:fld id="{C520C8DF-748B-4FF9-AC64-D91D47300A50}" type="datetime1">
               <a:rPr lang="en-US" smtClean="0"/>
-              <a:t>6/27/2015</a:t>
+              <a:t>10/2/15</a:t>
             </a:fld>
             <a:endParaRPr lang="en-US"/>
           </a:p>
@@ -2960,7 +2960,7 @@
           <a:p>
             <a:fld id="{9C1B64FC-0B07-4FCC-A4B7-2A793D98D8AF}" type="datetime1">
               <a:rPr lang="en-US" smtClean="0"/>
-              <a:t>6/27/2015</a:t>
+              <a:t>10/2/15</a:t>
             </a:fld>
             <a:endParaRPr lang="en-US"/>
           </a:p>
@@ -3241,7 +3241,7 @@
           <a:p>
             <a:fld id="{44C30B84-0603-4FC7-84D9-BD9D09332374}" type="datetime1">
               <a:rPr lang="en-US" smtClean="0"/>
-              <a:t>6/27/2015</a:t>
+              <a:t>10/2/15</a:t>
             </a:fld>
             <a:endParaRPr lang="en-US"/>
           </a:p>
@@ -3425,7 +3425,7 @@
           <a:p>
             <a:fld id="{DC74358E-D881-4525-B70A-DE14D094364E}" type="datetime1">
               <a:rPr lang="en-US" smtClean="0"/>
-              <a:t>6/27/2015</a:t>
+              <a:t>10/2/15</a:t>
             </a:fld>
             <a:endParaRPr lang="en-US"/>
           </a:p>
@@ -3692,7 +3692,7 @@
           <a:p>
             <a:fld id="{2F6647C5-502E-4DBE-A7FD-E03B64209305}" type="datetime1">
               <a:rPr lang="en-US" smtClean="0"/>
-              <a:t>6/27/2015</a:t>
+              <a:t>10/2/15</a:t>
             </a:fld>
             <a:endParaRPr lang="en-US"/>
           </a:p>
@@ -3866,7 +3866,7 @@
           <a:p>
             <a:fld id="{4953AC36-85B5-4E03-A156-994A603185BA}" type="datetime1">
               <a:rPr lang="en-US" smtClean="0"/>
-              <a:t>6/27/2015</a:t>
+              <a:t>10/2/15</a:t>
             </a:fld>
             <a:endParaRPr lang="en-US"/>
           </a:p>
@@ -4050,7 +4050,7 @@
           <a:p>
             <a:fld id="{7482BB1B-B86C-463F-9D70-9FBBAE58DDBA}" type="datetime1">
               <a:rPr lang="en-US" smtClean="0"/>
-              <a:t>6/27/2015</a:t>
+              <a:t>10/2/15</a:t>
             </a:fld>
             <a:endParaRPr lang="en-US"/>
           </a:p>
@@ -4308,7 +4308,7 @@
           <a:p>
             <a:fld id="{FFFC3E62-AF39-4395-90BD-B8A775E66488}" type="datetime1">
               <a:rPr lang="en-US" smtClean="0"/>
-              <a:t>6/27/2015</a:t>
+              <a:t>10/2/15</a:t>
             </a:fld>
             <a:endParaRPr lang="en-US"/>
           </a:p>
@@ -4608,7 +4608,7 @@
           <a:p>
             <a:fld id="{26F539D2-F48F-443B-BF38-2A6C95CF6A7F}" type="datetime1">
               <a:rPr lang="en-US" smtClean="0"/>
-              <a:t>6/27/2015</a:t>
+              <a:t>10/2/15</a:t>
             </a:fld>
             <a:endParaRPr lang="en-US"/>
           </a:p>
@@ -5066,7 +5066,7 @@
           <a:p>
             <a:fld id="{F7A58AE1-8CA8-48CF-ABF4-408B23C67943}" type="datetime1">
               <a:rPr lang="en-US" smtClean="0"/>
-              <a:t>6/27/2015</a:t>
+              <a:t>10/2/15</a:t>
             </a:fld>
             <a:endParaRPr lang="en-US"/>
           </a:p>
@@ -5198,7 +5198,7 @@
           <a:p>
             <a:fld id="{2B29D99D-AE80-4750-840C-EB9806DF3A06}" type="datetime1">
               <a:rPr lang="en-US" smtClean="0"/>
-              <a:t>6/27/2015</a:t>
+              <a:t>10/2/15</a:t>
             </a:fld>
             <a:endParaRPr lang="en-US"/>
           </a:p>
@@ -5307,7 +5307,7 @@
           <a:p>
             <a:fld id="{B7F5DAF1-C883-426E-9BD0-729F56E7A62E}" type="datetime1">
               <a:rPr lang="en-US" smtClean="0"/>
-              <a:t>6/27/2015</a:t>
+              <a:t>10/2/15</a:t>
             </a:fld>
             <a:endParaRPr lang="en-US"/>
           </a:p>
@@ -5561,7 +5561,7 @@
           <a:p>
             <a:fld id="{2600421B-2FF4-4681-B8FD-017EFCF479E2}" type="datetime1">
               <a:rPr lang="en-US" smtClean="0"/>
-              <a:t>6/27/2015</a:t>
+              <a:t>10/2/15</a:t>
             </a:fld>
             <a:endParaRPr lang="en-US"/>
           </a:p>
@@ -5867,7 +5867,7 @@
           <a:p>
             <a:fld id="{A2AE46EC-01D0-4B23-8616-BD85B7D82CBA}" type="datetime1">
               <a:rPr lang="en-US" smtClean="0"/>
-              <a:t>6/27/2015</a:t>
+              <a:t>10/2/15</a:t>
             </a:fld>
             <a:endParaRPr lang="en-US"/>
           </a:p>
@@ -6173,7 +6173,7 @@
           <a:p>
             <a:fld id="{29A57015-001D-4DE7-896F-4E51C0D3D8D0}" type="datetime1">
               <a:rPr lang="en-US" smtClean="0"/>
-              <a:t>6/27/2015</a:t>
+              <a:t>10/2/15</a:t>
             </a:fld>
             <a:endParaRPr lang="en-US"/>
           </a:p>
@@ -6819,7 +6819,7 @@
           <a:p>
             <a:fld id="{D889A880-9C41-474C-89CB-FEF116EF758F}" type="datetime1">
               <a:rPr lang="en-US" smtClean="0"/>
-              <a:t>6/27/2015</a:t>
+              <a:t>10/2/15</a:t>
             </a:fld>
             <a:endParaRPr lang="en-US"/>
           </a:p>
@@ -7413,7 +7413,7 @@
           <a:noFill/>
           <a:extLst>
             <a:ext uri="{909E8E84-426E-40dd-AFC4-6F175D3DCCD1}">
-              <a14:hiddenFill xmlns:a14="http://schemas.microsoft.com/office/drawing/2010/main" xmlns="">
+              <a14:hiddenFill xmlns="" xmlns:a14="http://schemas.microsoft.com/office/drawing/2010/main">
                 <a:solidFill>
                   <a:srgbClr val="FFFFFF"/>
                 </a:solidFill>
@@ -9430,7 +9430,11 @@
             <a:pPr algn="ctr"/>
             <a:r>
               <a:rPr lang="en-US" dirty="0" smtClean="0"/>
-              <a:t>Open New Program</a:t>
+              <a:t>Open New </a:t>
+            </a:r>
+            <a:r>
+              <a:rPr lang="en-US" dirty="0" err="1" smtClean="0"/>
+              <a:t>Programme</a:t>
             </a:r>
             <a:endParaRPr lang="en-US" dirty="0"/>
           </a:p>
@@ -9445,7 +9449,7 @@
         <p:spPr>
           <a:xfrm>
             <a:off x="5334070" y="3481354"/>
-            <a:ext cx="2592729" cy="369332"/>
+            <a:ext cx="2592729" cy="646331"/>
           </a:xfrm>
           <a:prstGeom prst="rect">
             <a:avLst/>
@@ -9463,7 +9467,11 @@
             <a:pPr algn="ctr"/>
             <a:r>
               <a:rPr lang="en-US" dirty="0" smtClean="0"/>
-              <a:t>Open Saved Program</a:t>
+              <a:t>Open Saved </a:t>
+            </a:r>
+            <a:r>
+              <a:rPr lang="en-US" dirty="0" err="1" smtClean="0"/>
+              <a:t>Programme</a:t>
             </a:r>
             <a:endParaRPr lang="en-US" dirty="0"/>
           </a:p>
@@ -9587,8 +9595,8 @@
         </p:nvCxnSpPr>
         <p:spPr>
           <a:xfrm flipH="1">
-            <a:off x="4191000" y="3666020"/>
-            <a:ext cx="1143070" cy="1325080"/>
+            <a:off x="4191000" y="3804520"/>
+            <a:ext cx="1143070" cy="1186580"/>
           </a:xfrm>
           <a:prstGeom prst="straightConnector1">
             <a:avLst/>
@@ -10535,7 +10543,7 @@
           <a:effectLst/>
           <a:extLst>
             <a:ext uri="{91240B29-F687-4f45-9708-019B960494DF}">
-              <a14:hiddenLine xmlns:a14="http://schemas.microsoft.com/office/drawing/2010/main" xmlns="" w="9525">
+              <a14:hiddenLine xmlns="" xmlns:a14="http://schemas.microsoft.com/office/drawing/2010/main" w="9525">
                 <a:solidFill>
                   <a:schemeClr val="tx1"/>
                 </a:solidFill>
@@ -10545,7 +10553,7 @@
               </a14:hiddenLine>
             </a:ext>
             <a:ext uri="{AF507438-7753-43e0-B8FC-AC1667EBCBE1}">
-              <a14:hiddenEffects xmlns:a14="http://schemas.microsoft.com/office/drawing/2010/main" xmlns="">
+              <a14:hiddenEffects xmlns="" xmlns:a14="http://schemas.microsoft.com/office/drawing/2010/main">
                 <a:effectLst>
                   <a:outerShdw dist="35921" dir="2700000" algn="ctr" rotWithShape="0">
                     <a:schemeClr val="bg2"/>
@@ -10898,7 +10906,7 @@
           <a:noFill/>
           <a:extLst>
             <a:ext uri="{909E8E84-426E-40dd-AFC4-6F175D3DCCD1}">
-              <a14:hiddenFill xmlns:a14="http://schemas.microsoft.com/office/drawing/2010/main" xmlns="">
+              <a14:hiddenFill xmlns="" xmlns:a14="http://schemas.microsoft.com/office/drawing/2010/main">
                 <a:solidFill>
                   <a:srgbClr val="FFFFFF"/>
                 </a:solidFill>

--- a/translations/en-us/tablet-beginner/Introduction.pptx
+++ b/translations/en-us/tablet-beginner/Introduction.pptx
@@ -220,7 +220,7 @@
           <a:p>
             <a:fld id="{F8D9B3D7-15CB-9343-AA49-EFB5A8F33F18}" type="datetimeFigureOut">
               <a:rPr lang="en-US" smtClean="0"/>
-              <a:t>10/2/15</a:t>
+              <a:t>10/14/2015</a:t>
             </a:fld>
             <a:endParaRPr lang="en-US"/>
           </a:p>
@@ -386,7 +386,7 @@
           <a:p>
             <a:fld id="{FD3EFF1E-85A1-6640-AFB9-C38833E80A84}" type="datetimeFigureOut">
               <a:rPr lang="en-US" smtClean="0"/>
-              <a:t>10/2/15</a:t>
+              <a:t>10/14/2015</a:t>
             </a:fld>
             <a:endParaRPr lang="en-US"/>
           </a:p>
@@ -1016,7 +1016,7 @@
           <a:p>
             <a:fld id="{EACB2B30-379C-4202-B1F3-D3B522878603}" type="datetime1">
               <a:rPr lang="en-US" smtClean="0"/>
-              <a:t>10/2/15</a:t>
+              <a:t>10/14/2015</a:t>
             </a:fld>
             <a:endParaRPr lang="en-US"/>
           </a:p>
@@ -1322,7 +1322,7 @@
           <a:p>
             <a:fld id="{9712A3EB-3DEA-48FE-9BFC-EC2522B74ADE}" type="datetime1">
               <a:rPr lang="en-US" smtClean="0"/>
-              <a:t>10/2/15</a:t>
+              <a:t>10/14/2015</a:t>
             </a:fld>
             <a:endParaRPr lang="en-US"/>
           </a:p>
@@ -1509,7 +1509,7 @@
           <a:p>
             <a:fld id="{70B33115-2338-48F2-AC41-157C6B87719A}" type="datetime1">
               <a:rPr lang="en-US" smtClean="0"/>
-              <a:t>10/2/15</a:t>
+              <a:t>10/14/2015</a:t>
             </a:fld>
             <a:endParaRPr lang="en-US"/>
           </a:p>
@@ -1708,7 +1708,7 @@
           <a:p>
             <a:fld id="{52E4F7A2-CC09-4E29-8283-AB801139ECC9}" type="datetime1">
               <a:rPr lang="en-US" smtClean="0"/>
-              <a:t>10/2/15</a:t>
+              <a:t>10/14/2015</a:t>
             </a:fld>
             <a:endParaRPr lang="en-US"/>
           </a:p>
@@ -1882,7 +1882,7 @@
           <a:p>
             <a:fld id="{DB04619B-604B-42D5-BB8F-A8BCBE6B2F1D}" type="datetime1">
               <a:rPr lang="en-US" smtClean="0"/>
-              <a:t>10/2/15</a:t>
+              <a:t>10/14/2015</a:t>
             </a:fld>
             <a:endParaRPr lang="en-US"/>
           </a:p>
@@ -2132,7 +2132,7 @@
           <a:p>
             <a:fld id="{FBDC9A95-D134-4392-8040-E268F7574361}" type="datetime1">
               <a:rPr lang="en-US" smtClean="0"/>
-              <a:t>10/2/15</a:t>
+              <a:t>10/14/2015</a:t>
             </a:fld>
             <a:endParaRPr lang="en-US"/>
           </a:p>
@@ -2368,7 +2368,7 @@
           <a:p>
             <a:fld id="{AC7018EF-5B37-49DF-9C9A-FBD17F454B3B}" type="datetime1">
               <a:rPr lang="en-US" smtClean="0"/>
-              <a:t>10/2/15</a:t>
+              <a:t>10/14/2015</a:t>
             </a:fld>
             <a:endParaRPr lang="en-US"/>
           </a:p>
@@ -2739,7 +2739,7 @@
           <a:p>
             <a:fld id="{BE546CA9-EE68-465B-9E04-0F5EF2792ACB}" type="datetime1">
               <a:rPr lang="en-US" smtClean="0"/>
-              <a:t>10/2/15</a:t>
+              <a:t>10/14/2015</a:t>
             </a:fld>
             <a:endParaRPr lang="en-US"/>
           </a:p>
@@ -2861,7 +2861,7 @@
           <a:p>
             <a:fld id="{C520C8DF-748B-4FF9-AC64-D91D47300A50}" type="datetime1">
               <a:rPr lang="en-US" smtClean="0"/>
-              <a:t>10/2/15</a:t>
+              <a:t>10/14/2015</a:t>
             </a:fld>
             <a:endParaRPr lang="en-US"/>
           </a:p>
@@ -2960,7 +2960,7 @@
           <a:p>
             <a:fld id="{9C1B64FC-0B07-4FCC-A4B7-2A793D98D8AF}" type="datetime1">
               <a:rPr lang="en-US" smtClean="0"/>
-              <a:t>10/2/15</a:t>
+              <a:t>10/14/2015</a:t>
             </a:fld>
             <a:endParaRPr lang="en-US"/>
           </a:p>
@@ -3241,7 +3241,7 @@
           <a:p>
             <a:fld id="{44C30B84-0603-4FC7-84D9-BD9D09332374}" type="datetime1">
               <a:rPr lang="en-US" smtClean="0"/>
-              <a:t>10/2/15</a:t>
+              <a:t>10/14/2015</a:t>
             </a:fld>
             <a:endParaRPr lang="en-US"/>
           </a:p>
@@ -3425,7 +3425,7 @@
           <a:p>
             <a:fld id="{DC74358E-D881-4525-B70A-DE14D094364E}" type="datetime1">
               <a:rPr lang="en-US" smtClean="0"/>
-              <a:t>10/2/15</a:t>
+              <a:t>10/14/2015</a:t>
             </a:fld>
             <a:endParaRPr lang="en-US"/>
           </a:p>
@@ -3692,7 +3692,7 @@
           <a:p>
             <a:fld id="{2F6647C5-502E-4DBE-A7FD-E03B64209305}" type="datetime1">
               <a:rPr lang="en-US" smtClean="0"/>
-              <a:t>10/2/15</a:t>
+              <a:t>10/14/2015</a:t>
             </a:fld>
             <a:endParaRPr lang="en-US"/>
           </a:p>
@@ -3866,7 +3866,7 @@
           <a:p>
             <a:fld id="{4953AC36-85B5-4E03-A156-994A603185BA}" type="datetime1">
               <a:rPr lang="en-US" smtClean="0"/>
-              <a:t>10/2/15</a:t>
+              <a:t>10/14/2015</a:t>
             </a:fld>
             <a:endParaRPr lang="en-US"/>
           </a:p>
@@ -4050,7 +4050,7 @@
           <a:p>
             <a:fld id="{7482BB1B-B86C-463F-9D70-9FBBAE58DDBA}" type="datetime1">
               <a:rPr lang="en-US" smtClean="0"/>
-              <a:t>10/2/15</a:t>
+              <a:t>10/14/2015</a:t>
             </a:fld>
             <a:endParaRPr lang="en-US"/>
           </a:p>
@@ -4308,7 +4308,7 @@
           <a:p>
             <a:fld id="{FFFC3E62-AF39-4395-90BD-B8A775E66488}" type="datetime1">
               <a:rPr lang="en-US" smtClean="0"/>
-              <a:t>10/2/15</a:t>
+              <a:t>10/14/2015</a:t>
             </a:fld>
             <a:endParaRPr lang="en-US"/>
           </a:p>
@@ -4608,7 +4608,7 @@
           <a:p>
             <a:fld id="{26F539D2-F48F-443B-BF38-2A6C95CF6A7F}" type="datetime1">
               <a:rPr lang="en-US" smtClean="0"/>
-              <a:t>10/2/15</a:t>
+              <a:t>10/14/2015</a:t>
             </a:fld>
             <a:endParaRPr lang="en-US"/>
           </a:p>
@@ -5066,7 +5066,7 @@
           <a:p>
             <a:fld id="{F7A58AE1-8CA8-48CF-ABF4-408B23C67943}" type="datetime1">
               <a:rPr lang="en-US" smtClean="0"/>
-              <a:t>10/2/15</a:t>
+              <a:t>10/14/2015</a:t>
             </a:fld>
             <a:endParaRPr lang="en-US"/>
           </a:p>
@@ -5198,7 +5198,7 @@
           <a:p>
             <a:fld id="{2B29D99D-AE80-4750-840C-EB9806DF3A06}" type="datetime1">
               <a:rPr lang="en-US" smtClean="0"/>
-              <a:t>10/2/15</a:t>
+              <a:t>10/14/2015</a:t>
             </a:fld>
             <a:endParaRPr lang="en-US"/>
           </a:p>
@@ -5307,7 +5307,7 @@
           <a:p>
             <a:fld id="{B7F5DAF1-C883-426E-9BD0-729F56E7A62E}" type="datetime1">
               <a:rPr lang="en-US" smtClean="0"/>
-              <a:t>10/2/15</a:t>
+              <a:t>10/14/2015</a:t>
             </a:fld>
             <a:endParaRPr lang="en-US"/>
           </a:p>
@@ -5561,7 +5561,7 @@
           <a:p>
             <a:fld id="{2600421B-2FF4-4681-B8FD-017EFCF479E2}" type="datetime1">
               <a:rPr lang="en-US" smtClean="0"/>
-              <a:t>10/2/15</a:t>
+              <a:t>10/14/2015</a:t>
             </a:fld>
             <a:endParaRPr lang="en-US"/>
           </a:p>
@@ -5867,7 +5867,7 @@
           <a:p>
             <a:fld id="{A2AE46EC-01D0-4B23-8616-BD85B7D82CBA}" type="datetime1">
               <a:rPr lang="en-US" smtClean="0"/>
-              <a:t>10/2/15</a:t>
+              <a:t>10/14/2015</a:t>
             </a:fld>
             <a:endParaRPr lang="en-US"/>
           </a:p>
@@ -6173,7 +6173,7 @@
           <a:p>
             <a:fld id="{29A57015-001D-4DE7-896F-4E51C0D3D8D0}" type="datetime1">
               <a:rPr lang="en-US" smtClean="0"/>
-              <a:t>10/2/15</a:t>
+              <a:t>10/14/2015</a:t>
             </a:fld>
             <a:endParaRPr lang="en-US"/>
           </a:p>
@@ -6819,7 +6819,7 @@
           <a:p>
             <a:fld id="{D889A880-9C41-474C-89CB-FEF116EF758F}" type="datetime1">
               <a:rPr lang="en-US" smtClean="0"/>
-              <a:t>10/2/15</a:t>
+              <a:t>10/14/2015</a:t>
             </a:fld>
             <a:endParaRPr lang="en-US"/>
           </a:p>
@@ -7413,7 +7413,7 @@
           <a:noFill/>
           <a:extLst>
             <a:ext uri="{909E8E84-426E-40dd-AFC4-6F175D3DCCD1}">
-              <a14:hiddenFill xmlns="" xmlns:a14="http://schemas.microsoft.com/office/drawing/2010/main">
+              <a14:hiddenFill xmlns:a14="http://schemas.microsoft.com/office/drawing/2010/main" xmlns="">
                 <a:solidFill>
                   <a:srgbClr val="FFFFFF"/>
                 </a:solidFill>
@@ -9433,8 +9433,8 @@
               <a:t>Open New </a:t>
             </a:r>
             <a:r>
-              <a:rPr lang="en-US" dirty="0" err="1" smtClean="0"/>
-              <a:t>Programme</a:t>
+              <a:rPr lang="en-US" dirty="0" smtClean="0"/>
+              <a:t>Program</a:t>
             </a:r>
             <a:endParaRPr lang="en-US" dirty="0"/>
           </a:p>
@@ -9449,7 +9449,7 @@
         <p:spPr>
           <a:xfrm>
             <a:off x="5334070" y="3481354"/>
-            <a:ext cx="2592729" cy="646331"/>
+            <a:ext cx="2592729" cy="369332"/>
           </a:xfrm>
           <a:prstGeom prst="rect">
             <a:avLst/>
@@ -9467,11 +9467,15 @@
             <a:pPr algn="ctr"/>
             <a:r>
               <a:rPr lang="en-US" dirty="0" smtClean="0"/>
-              <a:t>Open Saved </a:t>
-            </a:r>
-            <a:r>
-              <a:rPr lang="en-US" dirty="0" err="1" smtClean="0"/>
-              <a:t>Programme</a:t>
+              <a:t>Open </a:t>
+            </a:r>
+            <a:r>
+              <a:rPr lang="en-US" smtClean="0"/>
+              <a:t>Saved </a:t>
+            </a:r>
+            <a:r>
+              <a:rPr lang="en-US" smtClean="0"/>
+              <a:t>Program</a:t>
             </a:r>
             <a:endParaRPr lang="en-US" dirty="0"/>
           </a:p>
@@ -9595,8 +9599,8 @@
         </p:nvCxnSpPr>
         <p:spPr>
           <a:xfrm flipH="1">
-            <a:off x="4191000" y="3804520"/>
-            <a:ext cx="1143070" cy="1186580"/>
+            <a:off x="4191000" y="3666020"/>
+            <a:ext cx="1143070" cy="1325080"/>
           </a:xfrm>
           <a:prstGeom prst="straightConnector1">
             <a:avLst/>
@@ -10543,7 +10547,7 @@
           <a:effectLst/>
           <a:extLst>
             <a:ext uri="{91240B29-F687-4f45-9708-019B960494DF}">
-              <a14:hiddenLine xmlns="" xmlns:a14="http://schemas.microsoft.com/office/drawing/2010/main" w="9525">
+              <a14:hiddenLine xmlns:a14="http://schemas.microsoft.com/office/drawing/2010/main" xmlns="" w="9525">
                 <a:solidFill>
                   <a:schemeClr val="tx1"/>
                 </a:solidFill>
@@ -10553,7 +10557,7 @@
               </a14:hiddenLine>
             </a:ext>
             <a:ext uri="{AF507438-7753-43e0-B8FC-AC1667EBCBE1}">
-              <a14:hiddenEffects xmlns="" xmlns:a14="http://schemas.microsoft.com/office/drawing/2010/main">
+              <a14:hiddenEffects xmlns:a14="http://schemas.microsoft.com/office/drawing/2010/main" xmlns="">
                 <a:effectLst>
                   <a:outerShdw dist="35921" dir="2700000" algn="ctr" rotWithShape="0">
                     <a:schemeClr val="bg2"/>
@@ -10906,7 +10910,7 @@
           <a:noFill/>
           <a:extLst>
             <a:ext uri="{909E8E84-426E-40dd-AFC4-6F175D3DCCD1}">
-              <a14:hiddenFill xmlns="" xmlns:a14="http://schemas.microsoft.com/office/drawing/2010/main">
+              <a14:hiddenFill xmlns:a14="http://schemas.microsoft.com/office/drawing/2010/main" xmlns="">
                 <a:solidFill>
                   <a:srgbClr val="FFFFFF"/>
                 </a:solidFill>
